--- a/trunk/Lectures/9. JavaScript/JavaScript-Introduction.pptx
+++ b/trunk/Lectures/9. JavaScript/JavaScript-Introduction.pptx
@@ -4953,7 +4953,7 @@
             <a:fld id="{3BF7C7B5-275F-4D1F-9AB4-9255447DBC73}" type="datetimeFigureOut">
               <a:rPr lang="en-US"/>
               <a:pPr/>
-              <a:t>6/30/2011</a:t>
+              <a:t>21-Nov-11</a:t>
             </a:fld>
             <a:endParaRPr lang="en-US" dirty="0"/>
           </a:p>
@@ -5184,7 +5184,7 @@
             <a:fld id="{9B46F231-FB2B-4655-A644-E2477325E686}" type="datetimeFigureOut">
               <a:rPr lang="en-US"/>
               <a:pPr/>
-              <a:t>6/30/2011</a:t>
+              <a:t>21-Nov-11</a:t>
             </a:fld>
             <a:endParaRPr lang="en-US" dirty="0"/>
           </a:p>
@@ -42521,7 +42521,7 @@
           <a:p>
             <a:r>
               <a:rPr lang="en-US" dirty="0" smtClean="0"/>
-              <a:t>Exercises</a:t>
+              <a:t>Homework</a:t>
             </a:r>
             <a:endParaRPr lang="en-US" dirty="0"/>
           </a:p>
@@ -42778,7 +42778,11 @@
           <a:p>
             <a:r>
               <a:rPr lang="en-US" dirty="0" smtClean="0"/>
-              <a:t>Exercises (2)</a:t>
+              <a:t>Homework </a:t>
+            </a:r>
+            <a:r>
+              <a:rPr lang="en-US" dirty="0" smtClean="0"/>
+              <a:t>(2)</a:t>
             </a:r>
             <a:endParaRPr lang="en-US" dirty="0"/>
           </a:p>
@@ -43422,8 +43426,12 @@
           <a:lstStyle/>
           <a:p>
             <a:r>
+              <a:rPr lang="en-US" smtClean="0"/>
+              <a:t>Homework </a:t>
+            </a:r>
+            <a:r>
               <a:rPr lang="en-US" dirty="0" smtClean="0"/>
-              <a:t>Exercises (3)</a:t>
+              <a:t>(3)</a:t>
             </a:r>
             <a:endParaRPr lang="en-US" dirty="0"/>
           </a:p>
